--- a/docs/diagrams/ModuleDatabaseManagementPictures.pptx
+++ b/docs/diagrams/ModuleDatabaseManagementPictures.pptx
@@ -3,11 +3,10 @@
 <p:presentation xmlns:a="http://schemas.openxmlformats.org/drawingml/2006/main" xmlns:p="http://schemas.openxmlformats.org/presentationml/2006/main" xmlns:r="http://schemas.openxmlformats.org/officeDocument/2006/relationships" xmlns:p14="http://schemas.microsoft.com/office/powerpoint/2010/main" xmlns:p15="http://schemas.microsoft.com/office/powerpoint/2012/main" xmlns:mc="http://schemas.openxmlformats.org/markup-compatibility/2006">
   <p:sldMasterIdLst>
     <p:sldMasterId id="2147483648" r:id="rId2"/>
-    <p:sldMasterId id="2147483661" r:id="rId3"/>
   </p:sldMasterIdLst>
   <p:sldIdLst>
-    <p:sldId id="256" r:id="rId4"/>
-    <p:sldId id="257" r:id="rId5"/>
+    <p:sldId id="256" r:id="rId3"/>
+    <p:sldId id="257" r:id="rId4"/>
   </p:sldIdLst>
   <p:sldSz cx="9144000" cy="6858000"/>
   <p:notesSz cx="7772400" cy="10058400"/>
@@ -549,543 +548,6 @@
 </p:sldLayout>
 </file>
 
-<file path=ppt/slideLayouts/slideLayout13.xml><?xml version="1.0" encoding="utf-8"?>
-<p:sldLayout xmlns:a="http://schemas.openxmlformats.org/drawingml/2006/main" xmlns:p="http://schemas.openxmlformats.org/presentationml/2006/main" xmlns:r="http://schemas.openxmlformats.org/officeDocument/2006/relationships" xmlns:p14="http://schemas.microsoft.com/office/powerpoint/2010/main" xmlns:p15="http://schemas.microsoft.com/office/powerpoint/2012/main" xmlns:mc="http://schemas.openxmlformats.org/markup-compatibility/2006" type="blank" preserve="1">
-  <p:cSld name="Blank Slide">
-    <p:spTree>
-      <p:nvGrpSpPr>
-        <p:cNvPr id="1" name=""/>
-        <p:cNvGrpSpPr/>
-        <p:nvPr/>
-      </p:nvGrpSpPr>
-      <p:grpSpPr>
-        <a:xfrm>
-          <a:off x="0" y="0"/>
-          <a:ext cx="0" cy="0"/>
-          <a:chOff x="0" y="0"/>
-          <a:chExt cx="0" cy="0"/>
-        </a:xfrm>
-      </p:grpSpPr>
-    </p:spTree>
-  </p:cSld>
-</p:sldLayout>
-</file>
-
-<file path=ppt/slideLayouts/slideLayout14.xml><?xml version="1.0" encoding="utf-8"?>
-<p:sldLayout xmlns:a="http://schemas.openxmlformats.org/drawingml/2006/main" xmlns:p="http://schemas.openxmlformats.org/presentationml/2006/main" xmlns:r="http://schemas.openxmlformats.org/officeDocument/2006/relationships" xmlns:p14="http://schemas.microsoft.com/office/powerpoint/2010/main" xmlns:p15="http://schemas.microsoft.com/office/powerpoint/2012/main" xmlns:mc="http://schemas.openxmlformats.org/markup-compatibility/2006" type="tx" preserve="1">
-  <p:cSld name="Title Slide">
-    <p:spTree>
-      <p:nvGrpSpPr>
-        <p:cNvPr id="1" name=""/>
-        <p:cNvGrpSpPr/>
-        <p:nvPr/>
-      </p:nvGrpSpPr>
-      <p:grpSpPr>
-        <a:xfrm>
-          <a:off x="0" y="0"/>
-          <a:ext cx="0" cy="0"/>
-          <a:chOff x="0" y="0"/>
-          <a:chExt cx="0" cy="0"/>
-        </a:xfrm>
-      </p:grpSpPr>
-      <p:sp>
-        <p:nvSpPr>
-          <p:cNvPr id="40" name="PlaceHolder 1"/>
-          <p:cNvSpPr>
-            <a:spLocks noGrp="1"/>
-          </p:cNvSpPr>
-          <p:nvPr>
-            <p:ph type="title"/>
-          </p:nvPr>
-        </p:nvSpPr>
-        <p:spPr>
-          <a:xfrm>
-            <a:off x="457200" y="273600"/>
-            <a:ext cx="8229240" cy="1144800"/>
-          </a:xfrm>
-          <a:prstGeom prst="rect">
-            <a:avLst/>
-          </a:prstGeom>
-        </p:spPr>
-        <p:txBody>
-          <a:bodyPr lIns="0" rIns="0" tIns="0" bIns="0" anchor="ctr"/>
-          <a:p>
-            <a:pPr algn="ctr"/>
-            <a:endParaRPr b="0" lang="en-US" sz="4400" spc="-1" strike="noStrike">
-              <a:latin typeface="Arial"/>
-            </a:endParaRPr>
-          </a:p>
-        </p:txBody>
-      </p:sp>
-      <p:sp>
-        <p:nvSpPr>
-          <p:cNvPr id="41" name="PlaceHolder 2"/>
-          <p:cNvSpPr>
-            <a:spLocks noGrp="1"/>
-          </p:cNvSpPr>
-          <p:nvPr>
-            <p:ph type="subTitle"/>
-          </p:nvPr>
-        </p:nvSpPr>
-        <p:spPr>
-          <a:xfrm>
-            <a:off x="457200" y="1604520"/>
-            <a:ext cx="8229240" cy="3977280"/>
-          </a:xfrm>
-          <a:prstGeom prst="rect">
-            <a:avLst/>
-          </a:prstGeom>
-        </p:spPr>
-        <p:txBody>
-          <a:bodyPr lIns="0" rIns="0" tIns="0" bIns="0" anchor="ctr"/>
-          <a:p>
-            <a:pPr algn="ctr"/>
-            <a:endParaRPr b="0" lang="en-US" sz="3200" spc="-1" strike="noStrike">
-              <a:latin typeface="Arial"/>
-            </a:endParaRPr>
-          </a:p>
-        </p:txBody>
-      </p:sp>
-    </p:spTree>
-  </p:cSld>
-</p:sldLayout>
-</file>
-
-<file path=ppt/slideLayouts/slideLayout15.xml><?xml version="1.0" encoding="utf-8"?>
-<p:sldLayout xmlns:a="http://schemas.openxmlformats.org/drawingml/2006/main" xmlns:p="http://schemas.openxmlformats.org/presentationml/2006/main" xmlns:r="http://schemas.openxmlformats.org/officeDocument/2006/relationships" xmlns:p14="http://schemas.microsoft.com/office/powerpoint/2010/main" xmlns:p15="http://schemas.microsoft.com/office/powerpoint/2012/main" xmlns:mc="http://schemas.openxmlformats.org/markup-compatibility/2006" type="obj" preserve="1">
-  <p:cSld name="Title, Content">
-    <p:spTree>
-      <p:nvGrpSpPr>
-        <p:cNvPr id="1" name=""/>
-        <p:cNvGrpSpPr/>
-        <p:nvPr/>
-      </p:nvGrpSpPr>
-      <p:grpSpPr>
-        <a:xfrm>
-          <a:off x="0" y="0"/>
-          <a:ext cx="0" cy="0"/>
-          <a:chOff x="0" y="0"/>
-          <a:chExt cx="0" cy="0"/>
-        </a:xfrm>
-      </p:grpSpPr>
-      <p:sp>
-        <p:nvSpPr>
-          <p:cNvPr id="42" name="PlaceHolder 1"/>
-          <p:cNvSpPr>
-            <a:spLocks noGrp="1"/>
-          </p:cNvSpPr>
-          <p:nvPr>
-            <p:ph type="title"/>
-          </p:nvPr>
-        </p:nvSpPr>
-        <p:spPr>
-          <a:xfrm>
-            <a:off x="457200" y="273600"/>
-            <a:ext cx="8229240" cy="1144800"/>
-          </a:xfrm>
-          <a:prstGeom prst="rect">
-            <a:avLst/>
-          </a:prstGeom>
-        </p:spPr>
-        <p:txBody>
-          <a:bodyPr lIns="0" rIns="0" tIns="0" bIns="0" anchor="ctr"/>
-          <a:p>
-            <a:pPr algn="ctr"/>
-            <a:endParaRPr b="0" lang="en-US" sz="4400" spc="-1" strike="noStrike">
-              <a:latin typeface="Arial"/>
-            </a:endParaRPr>
-          </a:p>
-        </p:txBody>
-      </p:sp>
-      <p:sp>
-        <p:nvSpPr>
-          <p:cNvPr id="43" name="PlaceHolder 2"/>
-          <p:cNvSpPr>
-            <a:spLocks noGrp="1"/>
-          </p:cNvSpPr>
-          <p:nvPr>
-            <p:ph type="body"/>
-          </p:nvPr>
-        </p:nvSpPr>
-        <p:spPr>
-          <a:xfrm>
-            <a:off x="457200" y="1604520"/>
-            <a:ext cx="8229240" cy="3977280"/>
-          </a:xfrm>
-          <a:prstGeom prst="rect">
-            <a:avLst/>
-          </a:prstGeom>
-        </p:spPr>
-        <p:txBody>
-          <a:bodyPr lIns="0" rIns="0" tIns="0" bIns="0">
-            <a:normAutofit/>
-          </a:bodyPr>
-          <a:p>
-            <a:endParaRPr b="0" lang="en-US" sz="3200" spc="-1" strike="noStrike">
-              <a:latin typeface="Arial"/>
-            </a:endParaRPr>
-          </a:p>
-        </p:txBody>
-      </p:sp>
-    </p:spTree>
-  </p:cSld>
-</p:sldLayout>
-</file>
-
-<file path=ppt/slideLayouts/slideLayout16.xml><?xml version="1.0" encoding="utf-8"?>
-<p:sldLayout xmlns:a="http://schemas.openxmlformats.org/drawingml/2006/main" xmlns:p="http://schemas.openxmlformats.org/presentationml/2006/main" xmlns:r="http://schemas.openxmlformats.org/officeDocument/2006/relationships" xmlns:p14="http://schemas.microsoft.com/office/powerpoint/2010/main" xmlns:p15="http://schemas.microsoft.com/office/powerpoint/2012/main" xmlns:mc="http://schemas.openxmlformats.org/markup-compatibility/2006" type="twoObj" preserve="1">
-  <p:cSld name="Title, 2 Content">
-    <p:spTree>
-      <p:nvGrpSpPr>
-        <p:cNvPr id="1" name=""/>
-        <p:cNvGrpSpPr/>
-        <p:nvPr/>
-      </p:nvGrpSpPr>
-      <p:grpSpPr>
-        <a:xfrm>
-          <a:off x="0" y="0"/>
-          <a:ext cx="0" cy="0"/>
-          <a:chOff x="0" y="0"/>
-          <a:chExt cx="0" cy="0"/>
-        </a:xfrm>
-      </p:grpSpPr>
-      <p:sp>
-        <p:nvSpPr>
-          <p:cNvPr id="44" name="PlaceHolder 1"/>
-          <p:cNvSpPr>
-            <a:spLocks noGrp="1"/>
-          </p:cNvSpPr>
-          <p:nvPr>
-            <p:ph type="title"/>
-          </p:nvPr>
-        </p:nvSpPr>
-        <p:spPr>
-          <a:xfrm>
-            <a:off x="457200" y="273600"/>
-            <a:ext cx="8229240" cy="1144800"/>
-          </a:xfrm>
-          <a:prstGeom prst="rect">
-            <a:avLst/>
-          </a:prstGeom>
-        </p:spPr>
-        <p:txBody>
-          <a:bodyPr lIns="0" rIns="0" tIns="0" bIns="0" anchor="ctr"/>
-          <a:p>
-            <a:pPr algn="ctr"/>
-            <a:endParaRPr b="0" lang="en-US" sz="4400" spc="-1" strike="noStrike">
-              <a:latin typeface="Arial"/>
-            </a:endParaRPr>
-          </a:p>
-        </p:txBody>
-      </p:sp>
-      <p:sp>
-        <p:nvSpPr>
-          <p:cNvPr id="45" name="PlaceHolder 2"/>
-          <p:cNvSpPr>
-            <a:spLocks noGrp="1"/>
-          </p:cNvSpPr>
-          <p:nvPr>
-            <p:ph type="body"/>
-          </p:nvPr>
-        </p:nvSpPr>
-        <p:spPr>
-          <a:xfrm>
-            <a:off x="457200" y="1604520"/>
-            <a:ext cx="4015800" cy="3977280"/>
-          </a:xfrm>
-          <a:prstGeom prst="rect">
-            <a:avLst/>
-          </a:prstGeom>
-        </p:spPr>
-        <p:txBody>
-          <a:bodyPr lIns="0" rIns="0" tIns="0" bIns="0">
-            <a:normAutofit/>
-          </a:bodyPr>
-          <a:p>
-            <a:endParaRPr b="0" lang="en-US" sz="3200" spc="-1" strike="noStrike">
-              <a:latin typeface="Arial"/>
-            </a:endParaRPr>
-          </a:p>
-        </p:txBody>
-      </p:sp>
-      <p:sp>
-        <p:nvSpPr>
-          <p:cNvPr id="46" name="PlaceHolder 3"/>
-          <p:cNvSpPr>
-            <a:spLocks noGrp="1"/>
-          </p:cNvSpPr>
-          <p:nvPr>
-            <p:ph type="body"/>
-          </p:nvPr>
-        </p:nvSpPr>
-        <p:spPr>
-          <a:xfrm>
-            <a:off x="4674240" y="1604520"/>
-            <a:ext cx="4015800" cy="3977280"/>
-          </a:xfrm>
-          <a:prstGeom prst="rect">
-            <a:avLst/>
-          </a:prstGeom>
-        </p:spPr>
-        <p:txBody>
-          <a:bodyPr lIns="0" rIns="0" tIns="0" bIns="0">
-            <a:normAutofit/>
-          </a:bodyPr>
-          <a:p>
-            <a:endParaRPr b="0" lang="en-US" sz="3200" spc="-1" strike="noStrike">
-              <a:latin typeface="Arial"/>
-            </a:endParaRPr>
-          </a:p>
-        </p:txBody>
-      </p:sp>
-    </p:spTree>
-  </p:cSld>
-</p:sldLayout>
-</file>
-
-<file path=ppt/slideLayouts/slideLayout17.xml><?xml version="1.0" encoding="utf-8"?>
-<p:sldLayout xmlns:a="http://schemas.openxmlformats.org/drawingml/2006/main" xmlns:p="http://schemas.openxmlformats.org/presentationml/2006/main" xmlns:r="http://schemas.openxmlformats.org/officeDocument/2006/relationships" xmlns:p14="http://schemas.microsoft.com/office/powerpoint/2010/main" xmlns:p15="http://schemas.microsoft.com/office/powerpoint/2012/main" xmlns:mc="http://schemas.openxmlformats.org/markup-compatibility/2006" type="titleOnly" preserve="1">
-  <p:cSld name="Title Only">
-    <p:spTree>
-      <p:nvGrpSpPr>
-        <p:cNvPr id="1" name=""/>
-        <p:cNvGrpSpPr/>
-        <p:nvPr/>
-      </p:nvGrpSpPr>
-      <p:grpSpPr>
-        <a:xfrm>
-          <a:off x="0" y="0"/>
-          <a:ext cx="0" cy="0"/>
-          <a:chOff x="0" y="0"/>
-          <a:chExt cx="0" cy="0"/>
-        </a:xfrm>
-      </p:grpSpPr>
-      <p:sp>
-        <p:nvSpPr>
-          <p:cNvPr id="47" name="PlaceHolder 1"/>
-          <p:cNvSpPr>
-            <a:spLocks noGrp="1"/>
-          </p:cNvSpPr>
-          <p:nvPr>
-            <p:ph type="title"/>
-          </p:nvPr>
-        </p:nvSpPr>
-        <p:spPr>
-          <a:xfrm>
-            <a:off x="457200" y="273600"/>
-            <a:ext cx="8229240" cy="1144800"/>
-          </a:xfrm>
-          <a:prstGeom prst="rect">
-            <a:avLst/>
-          </a:prstGeom>
-        </p:spPr>
-        <p:txBody>
-          <a:bodyPr lIns="0" rIns="0" tIns="0" bIns="0" anchor="ctr"/>
-          <a:p>
-            <a:pPr algn="ctr"/>
-            <a:endParaRPr b="0" lang="en-US" sz="4400" spc="-1" strike="noStrike">
-              <a:latin typeface="Arial"/>
-            </a:endParaRPr>
-          </a:p>
-        </p:txBody>
-      </p:sp>
-    </p:spTree>
-  </p:cSld>
-</p:sldLayout>
-</file>
-
-<file path=ppt/slideLayouts/slideLayout18.xml><?xml version="1.0" encoding="utf-8"?>
-<p:sldLayout xmlns:a="http://schemas.openxmlformats.org/drawingml/2006/main" xmlns:p="http://schemas.openxmlformats.org/presentationml/2006/main" xmlns:r="http://schemas.openxmlformats.org/officeDocument/2006/relationships" xmlns:p14="http://schemas.microsoft.com/office/powerpoint/2010/main" xmlns:p15="http://schemas.microsoft.com/office/powerpoint/2012/main" xmlns:mc="http://schemas.openxmlformats.org/markup-compatibility/2006" type="objOnly" preserve="1">
-  <p:cSld name="Centered Text">
-    <p:spTree>
-      <p:nvGrpSpPr>
-        <p:cNvPr id="1" name=""/>
-        <p:cNvGrpSpPr/>
-        <p:nvPr/>
-      </p:nvGrpSpPr>
-      <p:grpSpPr>
-        <a:xfrm>
-          <a:off x="0" y="0"/>
-          <a:ext cx="0" cy="0"/>
-          <a:chOff x="0" y="0"/>
-          <a:chExt cx="0" cy="0"/>
-        </a:xfrm>
-      </p:grpSpPr>
-      <p:sp>
-        <p:nvSpPr>
-          <p:cNvPr id="48" name="PlaceHolder 1"/>
-          <p:cNvSpPr>
-            <a:spLocks noGrp="1"/>
-          </p:cNvSpPr>
-          <p:nvPr>
-            <p:ph type="subTitle"/>
-          </p:nvPr>
-        </p:nvSpPr>
-        <p:spPr>
-          <a:xfrm>
-            <a:off x="457200" y="273600"/>
-            <a:ext cx="8229240" cy="5307840"/>
-          </a:xfrm>
-          <a:prstGeom prst="rect">
-            <a:avLst/>
-          </a:prstGeom>
-        </p:spPr>
-        <p:txBody>
-          <a:bodyPr lIns="0" rIns="0" tIns="0" bIns="0" anchor="ctr"/>
-          <a:p>
-            <a:pPr algn="ctr"/>
-            <a:endParaRPr b="0" lang="en-US" sz="3200" spc="-1" strike="noStrike">
-              <a:latin typeface="Arial"/>
-            </a:endParaRPr>
-          </a:p>
-        </p:txBody>
-      </p:sp>
-    </p:spTree>
-  </p:cSld>
-</p:sldLayout>
-</file>
-
-<file path=ppt/slideLayouts/slideLayout19.xml><?xml version="1.0" encoding="utf-8"?>
-<p:sldLayout xmlns:a="http://schemas.openxmlformats.org/drawingml/2006/main" xmlns:p="http://schemas.openxmlformats.org/presentationml/2006/main" xmlns:r="http://schemas.openxmlformats.org/officeDocument/2006/relationships" xmlns:p14="http://schemas.microsoft.com/office/powerpoint/2010/main" xmlns:p15="http://schemas.microsoft.com/office/powerpoint/2012/main" xmlns:mc="http://schemas.openxmlformats.org/markup-compatibility/2006" type="twoObjAndObj" preserve="1">
-  <p:cSld name="Title, 2 Content and Content">
-    <p:spTree>
-      <p:nvGrpSpPr>
-        <p:cNvPr id="1" name=""/>
-        <p:cNvGrpSpPr/>
-        <p:nvPr/>
-      </p:nvGrpSpPr>
-      <p:grpSpPr>
-        <a:xfrm>
-          <a:off x="0" y="0"/>
-          <a:ext cx="0" cy="0"/>
-          <a:chOff x="0" y="0"/>
-          <a:chExt cx="0" cy="0"/>
-        </a:xfrm>
-      </p:grpSpPr>
-      <p:sp>
-        <p:nvSpPr>
-          <p:cNvPr id="49" name="PlaceHolder 1"/>
-          <p:cNvSpPr>
-            <a:spLocks noGrp="1"/>
-          </p:cNvSpPr>
-          <p:nvPr>
-            <p:ph type="title"/>
-          </p:nvPr>
-        </p:nvSpPr>
-        <p:spPr>
-          <a:xfrm>
-            <a:off x="457200" y="273600"/>
-            <a:ext cx="8229240" cy="1144800"/>
-          </a:xfrm>
-          <a:prstGeom prst="rect">
-            <a:avLst/>
-          </a:prstGeom>
-        </p:spPr>
-        <p:txBody>
-          <a:bodyPr lIns="0" rIns="0" tIns="0" bIns="0" anchor="ctr"/>
-          <a:p>
-            <a:pPr algn="ctr"/>
-            <a:endParaRPr b="0" lang="en-US" sz="4400" spc="-1" strike="noStrike">
-              <a:latin typeface="Arial"/>
-            </a:endParaRPr>
-          </a:p>
-        </p:txBody>
-      </p:sp>
-      <p:sp>
-        <p:nvSpPr>
-          <p:cNvPr id="50" name="PlaceHolder 2"/>
-          <p:cNvSpPr>
-            <a:spLocks noGrp="1"/>
-          </p:cNvSpPr>
-          <p:nvPr>
-            <p:ph type="body"/>
-          </p:nvPr>
-        </p:nvSpPr>
-        <p:spPr>
-          <a:xfrm>
-            <a:off x="457200" y="1604520"/>
-            <a:ext cx="4015800" cy="1896840"/>
-          </a:xfrm>
-          <a:prstGeom prst="rect">
-            <a:avLst/>
-          </a:prstGeom>
-        </p:spPr>
-        <p:txBody>
-          <a:bodyPr lIns="0" rIns="0" tIns="0" bIns="0">
-            <a:normAutofit/>
-          </a:bodyPr>
-          <a:p>
-            <a:endParaRPr b="0" lang="en-US" sz="3200" spc="-1" strike="noStrike">
-              <a:latin typeface="Arial"/>
-            </a:endParaRPr>
-          </a:p>
-        </p:txBody>
-      </p:sp>
-      <p:sp>
-        <p:nvSpPr>
-          <p:cNvPr id="51" name="PlaceHolder 3"/>
-          <p:cNvSpPr>
-            <a:spLocks noGrp="1"/>
-          </p:cNvSpPr>
-          <p:nvPr>
-            <p:ph type="body"/>
-          </p:nvPr>
-        </p:nvSpPr>
-        <p:spPr>
-          <a:xfrm>
-            <a:off x="4674240" y="1604520"/>
-            <a:ext cx="4015800" cy="3977280"/>
-          </a:xfrm>
-          <a:prstGeom prst="rect">
-            <a:avLst/>
-          </a:prstGeom>
-        </p:spPr>
-        <p:txBody>
-          <a:bodyPr lIns="0" rIns="0" tIns="0" bIns="0">
-            <a:normAutofit/>
-          </a:bodyPr>
-          <a:p>
-            <a:endParaRPr b="0" lang="en-US" sz="3200" spc="-1" strike="noStrike">
-              <a:latin typeface="Arial"/>
-            </a:endParaRPr>
-          </a:p>
-        </p:txBody>
-      </p:sp>
-      <p:sp>
-        <p:nvSpPr>
-          <p:cNvPr id="52" name="PlaceHolder 4"/>
-          <p:cNvSpPr>
-            <a:spLocks noGrp="1"/>
-          </p:cNvSpPr>
-          <p:nvPr>
-            <p:ph type="body"/>
-          </p:nvPr>
-        </p:nvSpPr>
-        <p:spPr>
-          <a:xfrm>
-            <a:off x="457200" y="3682080"/>
-            <a:ext cx="4015800" cy="1896840"/>
-          </a:xfrm>
-          <a:prstGeom prst="rect">
-            <a:avLst/>
-          </a:prstGeom>
-        </p:spPr>
-        <p:txBody>
-          <a:bodyPr lIns="0" rIns="0" tIns="0" bIns="0">
-            <a:normAutofit/>
-          </a:bodyPr>
-          <a:p>
-            <a:endParaRPr b="0" lang="en-US" sz="3200" spc="-1" strike="noStrike">
-              <a:latin typeface="Arial"/>
-            </a:endParaRPr>
-          </a:p>
-        </p:txBody>
-      </p:sp>
-    </p:spTree>
-  </p:cSld>
-</p:sldLayout>
-</file>
-
 <file path=ppt/slideLayouts/slideLayout2.xml><?xml version="1.0" encoding="utf-8"?>
 <p:sldLayout xmlns:a="http://schemas.openxmlformats.org/drawingml/2006/main" xmlns:p="http://schemas.openxmlformats.org/presentationml/2006/main" xmlns:r="http://schemas.openxmlformats.org/officeDocument/2006/relationships" xmlns:p14="http://schemas.microsoft.com/office/powerpoint/2010/main" xmlns:p15="http://schemas.microsoft.com/office/powerpoint/2012/main" xmlns:mc="http://schemas.openxmlformats.org/markup-compatibility/2006" type="tx" preserve="1">
   <p:cSld name="Title Slide">
@@ -1155,801 +617,6 @@
           <a:bodyPr lIns="0" rIns="0" tIns="0" bIns="0" anchor="ctr"/>
           <a:p>
             <a:pPr algn="ctr"/>
-            <a:endParaRPr b="0" lang="en-US" sz="3200" spc="-1" strike="noStrike">
-              <a:latin typeface="Arial"/>
-            </a:endParaRPr>
-          </a:p>
-        </p:txBody>
-      </p:sp>
-    </p:spTree>
-  </p:cSld>
-</p:sldLayout>
-</file>
-
-<file path=ppt/slideLayouts/slideLayout20.xml><?xml version="1.0" encoding="utf-8"?>
-<p:sldLayout xmlns:a="http://schemas.openxmlformats.org/drawingml/2006/main" xmlns:p="http://schemas.openxmlformats.org/presentationml/2006/main" xmlns:r="http://schemas.openxmlformats.org/officeDocument/2006/relationships" xmlns:p14="http://schemas.microsoft.com/office/powerpoint/2010/main" xmlns:p15="http://schemas.microsoft.com/office/powerpoint/2012/main" xmlns:mc="http://schemas.openxmlformats.org/markup-compatibility/2006" type="objAndTwoObj" preserve="1">
-  <p:cSld name="Title Content and 2 Content">
-    <p:spTree>
-      <p:nvGrpSpPr>
-        <p:cNvPr id="1" name=""/>
-        <p:cNvGrpSpPr/>
-        <p:nvPr/>
-      </p:nvGrpSpPr>
-      <p:grpSpPr>
-        <a:xfrm>
-          <a:off x="0" y="0"/>
-          <a:ext cx="0" cy="0"/>
-          <a:chOff x="0" y="0"/>
-          <a:chExt cx="0" cy="0"/>
-        </a:xfrm>
-      </p:grpSpPr>
-      <p:sp>
-        <p:nvSpPr>
-          <p:cNvPr id="53" name="PlaceHolder 1"/>
-          <p:cNvSpPr>
-            <a:spLocks noGrp="1"/>
-          </p:cNvSpPr>
-          <p:nvPr>
-            <p:ph type="title"/>
-          </p:nvPr>
-        </p:nvSpPr>
-        <p:spPr>
-          <a:xfrm>
-            <a:off x="457200" y="273600"/>
-            <a:ext cx="8229240" cy="1144800"/>
-          </a:xfrm>
-          <a:prstGeom prst="rect">
-            <a:avLst/>
-          </a:prstGeom>
-        </p:spPr>
-        <p:txBody>
-          <a:bodyPr lIns="0" rIns="0" tIns="0" bIns="0" anchor="ctr"/>
-          <a:p>
-            <a:pPr algn="ctr"/>
-            <a:endParaRPr b="0" lang="en-US" sz="4400" spc="-1" strike="noStrike">
-              <a:latin typeface="Arial"/>
-            </a:endParaRPr>
-          </a:p>
-        </p:txBody>
-      </p:sp>
-      <p:sp>
-        <p:nvSpPr>
-          <p:cNvPr id="54" name="PlaceHolder 2"/>
-          <p:cNvSpPr>
-            <a:spLocks noGrp="1"/>
-          </p:cNvSpPr>
-          <p:nvPr>
-            <p:ph type="body"/>
-          </p:nvPr>
-        </p:nvSpPr>
-        <p:spPr>
-          <a:xfrm>
-            <a:off x="457200" y="1604520"/>
-            <a:ext cx="4015800" cy="3977280"/>
-          </a:xfrm>
-          <a:prstGeom prst="rect">
-            <a:avLst/>
-          </a:prstGeom>
-        </p:spPr>
-        <p:txBody>
-          <a:bodyPr lIns="0" rIns="0" tIns="0" bIns="0">
-            <a:normAutofit/>
-          </a:bodyPr>
-          <a:p>
-            <a:endParaRPr b="0" lang="en-US" sz="3200" spc="-1" strike="noStrike">
-              <a:latin typeface="Arial"/>
-            </a:endParaRPr>
-          </a:p>
-        </p:txBody>
-      </p:sp>
-      <p:sp>
-        <p:nvSpPr>
-          <p:cNvPr id="55" name="PlaceHolder 3"/>
-          <p:cNvSpPr>
-            <a:spLocks noGrp="1"/>
-          </p:cNvSpPr>
-          <p:nvPr>
-            <p:ph type="body"/>
-          </p:nvPr>
-        </p:nvSpPr>
-        <p:spPr>
-          <a:xfrm>
-            <a:off x="4674240" y="1604520"/>
-            <a:ext cx="4015800" cy="1896840"/>
-          </a:xfrm>
-          <a:prstGeom prst="rect">
-            <a:avLst/>
-          </a:prstGeom>
-        </p:spPr>
-        <p:txBody>
-          <a:bodyPr lIns="0" rIns="0" tIns="0" bIns="0">
-            <a:normAutofit/>
-          </a:bodyPr>
-          <a:p>
-            <a:endParaRPr b="0" lang="en-US" sz="3200" spc="-1" strike="noStrike">
-              <a:latin typeface="Arial"/>
-            </a:endParaRPr>
-          </a:p>
-        </p:txBody>
-      </p:sp>
-      <p:sp>
-        <p:nvSpPr>
-          <p:cNvPr id="56" name="PlaceHolder 4"/>
-          <p:cNvSpPr>
-            <a:spLocks noGrp="1"/>
-          </p:cNvSpPr>
-          <p:nvPr>
-            <p:ph type="body"/>
-          </p:nvPr>
-        </p:nvSpPr>
-        <p:spPr>
-          <a:xfrm>
-            <a:off x="4674240" y="3682080"/>
-            <a:ext cx="4015800" cy="1896840"/>
-          </a:xfrm>
-          <a:prstGeom prst="rect">
-            <a:avLst/>
-          </a:prstGeom>
-        </p:spPr>
-        <p:txBody>
-          <a:bodyPr lIns="0" rIns="0" tIns="0" bIns="0">
-            <a:normAutofit/>
-          </a:bodyPr>
-          <a:p>
-            <a:endParaRPr b="0" lang="en-US" sz="3200" spc="-1" strike="noStrike">
-              <a:latin typeface="Arial"/>
-            </a:endParaRPr>
-          </a:p>
-        </p:txBody>
-      </p:sp>
-    </p:spTree>
-  </p:cSld>
-</p:sldLayout>
-</file>
-
-<file path=ppt/slideLayouts/slideLayout21.xml><?xml version="1.0" encoding="utf-8"?>
-<p:sldLayout xmlns:a="http://schemas.openxmlformats.org/drawingml/2006/main" xmlns:p="http://schemas.openxmlformats.org/presentationml/2006/main" xmlns:r="http://schemas.openxmlformats.org/officeDocument/2006/relationships" xmlns:p14="http://schemas.microsoft.com/office/powerpoint/2010/main" xmlns:p15="http://schemas.microsoft.com/office/powerpoint/2012/main" xmlns:mc="http://schemas.openxmlformats.org/markup-compatibility/2006" type="twoObjOverTx" preserve="1">
-  <p:cSld name="Title, 2 Content over Content">
-    <p:spTree>
-      <p:nvGrpSpPr>
-        <p:cNvPr id="1" name=""/>
-        <p:cNvGrpSpPr/>
-        <p:nvPr/>
-      </p:nvGrpSpPr>
-      <p:grpSpPr>
-        <a:xfrm>
-          <a:off x="0" y="0"/>
-          <a:ext cx="0" cy="0"/>
-          <a:chOff x="0" y="0"/>
-          <a:chExt cx="0" cy="0"/>
-        </a:xfrm>
-      </p:grpSpPr>
-      <p:sp>
-        <p:nvSpPr>
-          <p:cNvPr id="57" name="PlaceHolder 1"/>
-          <p:cNvSpPr>
-            <a:spLocks noGrp="1"/>
-          </p:cNvSpPr>
-          <p:nvPr>
-            <p:ph type="title"/>
-          </p:nvPr>
-        </p:nvSpPr>
-        <p:spPr>
-          <a:xfrm>
-            <a:off x="457200" y="273600"/>
-            <a:ext cx="8229240" cy="1144800"/>
-          </a:xfrm>
-          <a:prstGeom prst="rect">
-            <a:avLst/>
-          </a:prstGeom>
-        </p:spPr>
-        <p:txBody>
-          <a:bodyPr lIns="0" rIns="0" tIns="0" bIns="0" anchor="ctr"/>
-          <a:p>
-            <a:pPr algn="ctr"/>
-            <a:endParaRPr b="0" lang="en-US" sz="4400" spc="-1" strike="noStrike">
-              <a:latin typeface="Arial"/>
-            </a:endParaRPr>
-          </a:p>
-        </p:txBody>
-      </p:sp>
-      <p:sp>
-        <p:nvSpPr>
-          <p:cNvPr id="58" name="PlaceHolder 2"/>
-          <p:cNvSpPr>
-            <a:spLocks noGrp="1"/>
-          </p:cNvSpPr>
-          <p:nvPr>
-            <p:ph type="body"/>
-          </p:nvPr>
-        </p:nvSpPr>
-        <p:spPr>
-          <a:xfrm>
-            <a:off x="457200" y="1604520"/>
-            <a:ext cx="4015800" cy="1896840"/>
-          </a:xfrm>
-          <a:prstGeom prst="rect">
-            <a:avLst/>
-          </a:prstGeom>
-        </p:spPr>
-        <p:txBody>
-          <a:bodyPr lIns="0" rIns="0" tIns="0" bIns="0">
-            <a:normAutofit/>
-          </a:bodyPr>
-          <a:p>
-            <a:endParaRPr b="0" lang="en-US" sz="3200" spc="-1" strike="noStrike">
-              <a:latin typeface="Arial"/>
-            </a:endParaRPr>
-          </a:p>
-        </p:txBody>
-      </p:sp>
-      <p:sp>
-        <p:nvSpPr>
-          <p:cNvPr id="59" name="PlaceHolder 3"/>
-          <p:cNvSpPr>
-            <a:spLocks noGrp="1"/>
-          </p:cNvSpPr>
-          <p:nvPr>
-            <p:ph type="body"/>
-          </p:nvPr>
-        </p:nvSpPr>
-        <p:spPr>
-          <a:xfrm>
-            <a:off x="4674240" y="1604520"/>
-            <a:ext cx="4015800" cy="1896840"/>
-          </a:xfrm>
-          <a:prstGeom prst="rect">
-            <a:avLst/>
-          </a:prstGeom>
-        </p:spPr>
-        <p:txBody>
-          <a:bodyPr lIns="0" rIns="0" tIns="0" bIns="0">
-            <a:normAutofit/>
-          </a:bodyPr>
-          <a:p>
-            <a:endParaRPr b="0" lang="en-US" sz="3200" spc="-1" strike="noStrike">
-              <a:latin typeface="Arial"/>
-            </a:endParaRPr>
-          </a:p>
-        </p:txBody>
-      </p:sp>
-      <p:sp>
-        <p:nvSpPr>
-          <p:cNvPr id="60" name="PlaceHolder 4"/>
-          <p:cNvSpPr>
-            <a:spLocks noGrp="1"/>
-          </p:cNvSpPr>
-          <p:nvPr>
-            <p:ph type="body"/>
-          </p:nvPr>
-        </p:nvSpPr>
-        <p:spPr>
-          <a:xfrm>
-            <a:off x="457200" y="3682080"/>
-            <a:ext cx="8229240" cy="1896840"/>
-          </a:xfrm>
-          <a:prstGeom prst="rect">
-            <a:avLst/>
-          </a:prstGeom>
-        </p:spPr>
-        <p:txBody>
-          <a:bodyPr lIns="0" rIns="0" tIns="0" bIns="0">
-            <a:normAutofit/>
-          </a:bodyPr>
-          <a:p>
-            <a:endParaRPr b="0" lang="en-US" sz="3200" spc="-1" strike="noStrike">
-              <a:latin typeface="Arial"/>
-            </a:endParaRPr>
-          </a:p>
-        </p:txBody>
-      </p:sp>
-    </p:spTree>
-  </p:cSld>
-</p:sldLayout>
-</file>
-
-<file path=ppt/slideLayouts/slideLayout22.xml><?xml version="1.0" encoding="utf-8"?>
-<p:sldLayout xmlns:a="http://schemas.openxmlformats.org/drawingml/2006/main" xmlns:p="http://schemas.openxmlformats.org/presentationml/2006/main" xmlns:r="http://schemas.openxmlformats.org/officeDocument/2006/relationships" xmlns:p14="http://schemas.microsoft.com/office/powerpoint/2010/main" xmlns:p15="http://schemas.microsoft.com/office/powerpoint/2012/main" xmlns:mc="http://schemas.openxmlformats.org/markup-compatibility/2006" type="objOverTx" preserve="1">
-  <p:cSld name="Title, Content over Content">
-    <p:spTree>
-      <p:nvGrpSpPr>
-        <p:cNvPr id="1" name=""/>
-        <p:cNvGrpSpPr/>
-        <p:nvPr/>
-      </p:nvGrpSpPr>
-      <p:grpSpPr>
-        <a:xfrm>
-          <a:off x="0" y="0"/>
-          <a:ext cx="0" cy="0"/>
-          <a:chOff x="0" y="0"/>
-          <a:chExt cx="0" cy="0"/>
-        </a:xfrm>
-      </p:grpSpPr>
-      <p:sp>
-        <p:nvSpPr>
-          <p:cNvPr id="61" name="PlaceHolder 1"/>
-          <p:cNvSpPr>
-            <a:spLocks noGrp="1"/>
-          </p:cNvSpPr>
-          <p:nvPr>
-            <p:ph type="title"/>
-          </p:nvPr>
-        </p:nvSpPr>
-        <p:spPr>
-          <a:xfrm>
-            <a:off x="457200" y="273600"/>
-            <a:ext cx="8229240" cy="1144800"/>
-          </a:xfrm>
-          <a:prstGeom prst="rect">
-            <a:avLst/>
-          </a:prstGeom>
-        </p:spPr>
-        <p:txBody>
-          <a:bodyPr lIns="0" rIns="0" tIns="0" bIns="0" anchor="ctr"/>
-          <a:p>
-            <a:pPr algn="ctr"/>
-            <a:endParaRPr b="0" lang="en-US" sz="4400" spc="-1" strike="noStrike">
-              <a:latin typeface="Arial"/>
-            </a:endParaRPr>
-          </a:p>
-        </p:txBody>
-      </p:sp>
-      <p:sp>
-        <p:nvSpPr>
-          <p:cNvPr id="62" name="PlaceHolder 2"/>
-          <p:cNvSpPr>
-            <a:spLocks noGrp="1"/>
-          </p:cNvSpPr>
-          <p:nvPr>
-            <p:ph type="body"/>
-          </p:nvPr>
-        </p:nvSpPr>
-        <p:spPr>
-          <a:xfrm>
-            <a:off x="457200" y="1604520"/>
-            <a:ext cx="8229240" cy="1896840"/>
-          </a:xfrm>
-          <a:prstGeom prst="rect">
-            <a:avLst/>
-          </a:prstGeom>
-        </p:spPr>
-        <p:txBody>
-          <a:bodyPr lIns="0" rIns="0" tIns="0" bIns="0">
-            <a:normAutofit/>
-          </a:bodyPr>
-          <a:p>
-            <a:endParaRPr b="0" lang="en-US" sz="3200" spc="-1" strike="noStrike">
-              <a:latin typeface="Arial"/>
-            </a:endParaRPr>
-          </a:p>
-        </p:txBody>
-      </p:sp>
-      <p:sp>
-        <p:nvSpPr>
-          <p:cNvPr id="63" name="PlaceHolder 3"/>
-          <p:cNvSpPr>
-            <a:spLocks noGrp="1"/>
-          </p:cNvSpPr>
-          <p:nvPr>
-            <p:ph type="body"/>
-          </p:nvPr>
-        </p:nvSpPr>
-        <p:spPr>
-          <a:xfrm>
-            <a:off x="457200" y="3682080"/>
-            <a:ext cx="8229240" cy="1896840"/>
-          </a:xfrm>
-          <a:prstGeom prst="rect">
-            <a:avLst/>
-          </a:prstGeom>
-        </p:spPr>
-        <p:txBody>
-          <a:bodyPr lIns="0" rIns="0" tIns="0" bIns="0">
-            <a:normAutofit/>
-          </a:bodyPr>
-          <a:p>
-            <a:endParaRPr b="0" lang="en-US" sz="3200" spc="-1" strike="noStrike">
-              <a:latin typeface="Arial"/>
-            </a:endParaRPr>
-          </a:p>
-        </p:txBody>
-      </p:sp>
-    </p:spTree>
-  </p:cSld>
-</p:sldLayout>
-</file>
-
-<file path=ppt/slideLayouts/slideLayout23.xml><?xml version="1.0" encoding="utf-8"?>
-<p:sldLayout xmlns:a="http://schemas.openxmlformats.org/drawingml/2006/main" xmlns:p="http://schemas.openxmlformats.org/presentationml/2006/main" xmlns:r="http://schemas.openxmlformats.org/officeDocument/2006/relationships" xmlns:p14="http://schemas.microsoft.com/office/powerpoint/2010/main" xmlns:p15="http://schemas.microsoft.com/office/powerpoint/2012/main" xmlns:mc="http://schemas.openxmlformats.org/markup-compatibility/2006" type="fourObj" preserve="1">
-  <p:cSld name="Title, 4 Content">
-    <p:spTree>
-      <p:nvGrpSpPr>
-        <p:cNvPr id="1" name=""/>
-        <p:cNvGrpSpPr/>
-        <p:nvPr/>
-      </p:nvGrpSpPr>
-      <p:grpSpPr>
-        <a:xfrm>
-          <a:off x="0" y="0"/>
-          <a:ext cx="0" cy="0"/>
-          <a:chOff x="0" y="0"/>
-          <a:chExt cx="0" cy="0"/>
-        </a:xfrm>
-      </p:grpSpPr>
-      <p:sp>
-        <p:nvSpPr>
-          <p:cNvPr id="64" name="PlaceHolder 1"/>
-          <p:cNvSpPr>
-            <a:spLocks noGrp="1"/>
-          </p:cNvSpPr>
-          <p:nvPr>
-            <p:ph type="title"/>
-          </p:nvPr>
-        </p:nvSpPr>
-        <p:spPr>
-          <a:xfrm>
-            <a:off x="457200" y="273600"/>
-            <a:ext cx="8229240" cy="1144800"/>
-          </a:xfrm>
-          <a:prstGeom prst="rect">
-            <a:avLst/>
-          </a:prstGeom>
-        </p:spPr>
-        <p:txBody>
-          <a:bodyPr lIns="0" rIns="0" tIns="0" bIns="0" anchor="ctr"/>
-          <a:p>
-            <a:pPr algn="ctr"/>
-            <a:endParaRPr b="0" lang="en-US" sz="4400" spc="-1" strike="noStrike">
-              <a:latin typeface="Arial"/>
-            </a:endParaRPr>
-          </a:p>
-        </p:txBody>
-      </p:sp>
-      <p:sp>
-        <p:nvSpPr>
-          <p:cNvPr id="65" name="PlaceHolder 2"/>
-          <p:cNvSpPr>
-            <a:spLocks noGrp="1"/>
-          </p:cNvSpPr>
-          <p:nvPr>
-            <p:ph type="body"/>
-          </p:nvPr>
-        </p:nvSpPr>
-        <p:spPr>
-          <a:xfrm>
-            <a:off x="457200" y="1604520"/>
-            <a:ext cx="4015800" cy="1896840"/>
-          </a:xfrm>
-          <a:prstGeom prst="rect">
-            <a:avLst/>
-          </a:prstGeom>
-        </p:spPr>
-        <p:txBody>
-          <a:bodyPr lIns="0" rIns="0" tIns="0" bIns="0">
-            <a:normAutofit/>
-          </a:bodyPr>
-          <a:p>
-            <a:endParaRPr b="0" lang="en-US" sz="3200" spc="-1" strike="noStrike">
-              <a:latin typeface="Arial"/>
-            </a:endParaRPr>
-          </a:p>
-        </p:txBody>
-      </p:sp>
-      <p:sp>
-        <p:nvSpPr>
-          <p:cNvPr id="66" name="PlaceHolder 3"/>
-          <p:cNvSpPr>
-            <a:spLocks noGrp="1"/>
-          </p:cNvSpPr>
-          <p:nvPr>
-            <p:ph type="body"/>
-          </p:nvPr>
-        </p:nvSpPr>
-        <p:spPr>
-          <a:xfrm>
-            <a:off x="4674240" y="1604520"/>
-            <a:ext cx="4015800" cy="1896840"/>
-          </a:xfrm>
-          <a:prstGeom prst="rect">
-            <a:avLst/>
-          </a:prstGeom>
-        </p:spPr>
-        <p:txBody>
-          <a:bodyPr lIns="0" rIns="0" tIns="0" bIns="0">
-            <a:normAutofit/>
-          </a:bodyPr>
-          <a:p>
-            <a:endParaRPr b="0" lang="en-US" sz="3200" spc="-1" strike="noStrike">
-              <a:latin typeface="Arial"/>
-            </a:endParaRPr>
-          </a:p>
-        </p:txBody>
-      </p:sp>
-      <p:sp>
-        <p:nvSpPr>
-          <p:cNvPr id="67" name="PlaceHolder 4"/>
-          <p:cNvSpPr>
-            <a:spLocks noGrp="1"/>
-          </p:cNvSpPr>
-          <p:nvPr>
-            <p:ph type="body"/>
-          </p:nvPr>
-        </p:nvSpPr>
-        <p:spPr>
-          <a:xfrm>
-            <a:off x="457200" y="3682080"/>
-            <a:ext cx="4015800" cy="1896840"/>
-          </a:xfrm>
-          <a:prstGeom prst="rect">
-            <a:avLst/>
-          </a:prstGeom>
-        </p:spPr>
-        <p:txBody>
-          <a:bodyPr lIns="0" rIns="0" tIns="0" bIns="0">
-            <a:normAutofit/>
-          </a:bodyPr>
-          <a:p>
-            <a:endParaRPr b="0" lang="en-US" sz="3200" spc="-1" strike="noStrike">
-              <a:latin typeface="Arial"/>
-            </a:endParaRPr>
-          </a:p>
-        </p:txBody>
-      </p:sp>
-      <p:sp>
-        <p:nvSpPr>
-          <p:cNvPr id="68" name="PlaceHolder 5"/>
-          <p:cNvSpPr>
-            <a:spLocks noGrp="1"/>
-          </p:cNvSpPr>
-          <p:nvPr>
-            <p:ph type="body"/>
-          </p:nvPr>
-        </p:nvSpPr>
-        <p:spPr>
-          <a:xfrm>
-            <a:off x="4674240" y="3682080"/>
-            <a:ext cx="4015800" cy="1896840"/>
-          </a:xfrm>
-          <a:prstGeom prst="rect">
-            <a:avLst/>
-          </a:prstGeom>
-        </p:spPr>
-        <p:txBody>
-          <a:bodyPr lIns="0" rIns="0" tIns="0" bIns="0">
-            <a:normAutofit/>
-          </a:bodyPr>
-          <a:p>
-            <a:endParaRPr b="0" lang="en-US" sz="3200" spc="-1" strike="noStrike">
-              <a:latin typeface="Arial"/>
-            </a:endParaRPr>
-          </a:p>
-        </p:txBody>
-      </p:sp>
-    </p:spTree>
-  </p:cSld>
-</p:sldLayout>
-</file>
-
-<file path=ppt/slideLayouts/slideLayout24.xml><?xml version="1.0" encoding="utf-8"?>
-<p:sldLayout xmlns:a="http://schemas.openxmlformats.org/drawingml/2006/main" xmlns:p="http://schemas.openxmlformats.org/presentationml/2006/main" xmlns:r="http://schemas.openxmlformats.org/officeDocument/2006/relationships" xmlns:p14="http://schemas.microsoft.com/office/powerpoint/2010/main" xmlns:p15="http://schemas.microsoft.com/office/powerpoint/2012/main" xmlns:mc="http://schemas.openxmlformats.org/markup-compatibility/2006" type="blank" preserve="1">
-  <p:cSld name="Title, 6 Content">
-    <p:spTree>
-      <p:nvGrpSpPr>
-        <p:cNvPr id="1" name=""/>
-        <p:cNvGrpSpPr/>
-        <p:nvPr/>
-      </p:nvGrpSpPr>
-      <p:grpSpPr>
-        <a:xfrm>
-          <a:off x="0" y="0"/>
-          <a:ext cx="0" cy="0"/>
-          <a:chOff x="0" y="0"/>
-          <a:chExt cx="0" cy="0"/>
-        </a:xfrm>
-      </p:grpSpPr>
-      <p:sp>
-        <p:nvSpPr>
-          <p:cNvPr id="69" name="PlaceHolder 1"/>
-          <p:cNvSpPr>
-            <a:spLocks noGrp="1"/>
-          </p:cNvSpPr>
-          <p:nvPr>
-            <p:ph type="title"/>
-          </p:nvPr>
-        </p:nvSpPr>
-        <p:spPr>
-          <a:xfrm>
-            <a:off x="457200" y="273600"/>
-            <a:ext cx="8229240" cy="1144800"/>
-          </a:xfrm>
-          <a:prstGeom prst="rect">
-            <a:avLst/>
-          </a:prstGeom>
-        </p:spPr>
-        <p:txBody>
-          <a:bodyPr lIns="0" rIns="0" tIns="0" bIns="0" anchor="ctr"/>
-          <a:p>
-            <a:pPr algn="ctr"/>
-            <a:endParaRPr b="0" lang="en-US" sz="4400" spc="-1" strike="noStrike">
-              <a:latin typeface="Arial"/>
-            </a:endParaRPr>
-          </a:p>
-        </p:txBody>
-      </p:sp>
-      <p:sp>
-        <p:nvSpPr>
-          <p:cNvPr id="70" name="PlaceHolder 2"/>
-          <p:cNvSpPr>
-            <a:spLocks noGrp="1"/>
-          </p:cNvSpPr>
-          <p:nvPr>
-            <p:ph type="body"/>
-          </p:nvPr>
-        </p:nvSpPr>
-        <p:spPr>
-          <a:xfrm>
-            <a:off x="457200" y="1604520"/>
-            <a:ext cx="2649600" cy="1896840"/>
-          </a:xfrm>
-          <a:prstGeom prst="rect">
-            <a:avLst/>
-          </a:prstGeom>
-        </p:spPr>
-        <p:txBody>
-          <a:bodyPr lIns="0" rIns="0" tIns="0" bIns="0">
-            <a:normAutofit/>
-          </a:bodyPr>
-          <a:p>
-            <a:endParaRPr b="0" lang="en-US" sz="3200" spc="-1" strike="noStrike">
-              <a:latin typeface="Arial"/>
-            </a:endParaRPr>
-          </a:p>
-        </p:txBody>
-      </p:sp>
-      <p:sp>
-        <p:nvSpPr>
-          <p:cNvPr id="71" name="PlaceHolder 3"/>
-          <p:cNvSpPr>
-            <a:spLocks noGrp="1"/>
-          </p:cNvSpPr>
-          <p:nvPr>
-            <p:ph type="body"/>
-          </p:nvPr>
-        </p:nvSpPr>
-        <p:spPr>
-          <a:xfrm>
-            <a:off x="3239640" y="1604520"/>
-            <a:ext cx="2649600" cy="1896840"/>
-          </a:xfrm>
-          <a:prstGeom prst="rect">
-            <a:avLst/>
-          </a:prstGeom>
-        </p:spPr>
-        <p:txBody>
-          <a:bodyPr lIns="0" rIns="0" tIns="0" bIns="0">
-            <a:normAutofit/>
-          </a:bodyPr>
-          <a:p>
-            <a:endParaRPr b="0" lang="en-US" sz="3200" spc="-1" strike="noStrike">
-              <a:latin typeface="Arial"/>
-            </a:endParaRPr>
-          </a:p>
-        </p:txBody>
-      </p:sp>
-      <p:sp>
-        <p:nvSpPr>
-          <p:cNvPr id="72" name="PlaceHolder 4"/>
-          <p:cNvSpPr>
-            <a:spLocks noGrp="1"/>
-          </p:cNvSpPr>
-          <p:nvPr>
-            <p:ph type="body"/>
-          </p:nvPr>
-        </p:nvSpPr>
-        <p:spPr>
-          <a:xfrm>
-            <a:off x="6022080" y="1604520"/>
-            <a:ext cx="2649600" cy="1896840"/>
-          </a:xfrm>
-          <a:prstGeom prst="rect">
-            <a:avLst/>
-          </a:prstGeom>
-        </p:spPr>
-        <p:txBody>
-          <a:bodyPr lIns="0" rIns="0" tIns="0" bIns="0">
-            <a:normAutofit/>
-          </a:bodyPr>
-          <a:p>
-            <a:endParaRPr b="0" lang="en-US" sz="3200" spc="-1" strike="noStrike">
-              <a:latin typeface="Arial"/>
-            </a:endParaRPr>
-          </a:p>
-        </p:txBody>
-      </p:sp>
-      <p:sp>
-        <p:nvSpPr>
-          <p:cNvPr id="73" name="PlaceHolder 5"/>
-          <p:cNvSpPr>
-            <a:spLocks noGrp="1"/>
-          </p:cNvSpPr>
-          <p:nvPr>
-            <p:ph type="body"/>
-          </p:nvPr>
-        </p:nvSpPr>
-        <p:spPr>
-          <a:xfrm>
-            <a:off x="457200" y="3682080"/>
-            <a:ext cx="2649600" cy="1896840"/>
-          </a:xfrm>
-          <a:prstGeom prst="rect">
-            <a:avLst/>
-          </a:prstGeom>
-        </p:spPr>
-        <p:txBody>
-          <a:bodyPr lIns="0" rIns="0" tIns="0" bIns="0">
-            <a:normAutofit/>
-          </a:bodyPr>
-          <a:p>
-            <a:endParaRPr b="0" lang="en-US" sz="3200" spc="-1" strike="noStrike">
-              <a:latin typeface="Arial"/>
-            </a:endParaRPr>
-          </a:p>
-        </p:txBody>
-      </p:sp>
-      <p:sp>
-        <p:nvSpPr>
-          <p:cNvPr id="74" name="PlaceHolder 6"/>
-          <p:cNvSpPr>
-            <a:spLocks noGrp="1"/>
-          </p:cNvSpPr>
-          <p:nvPr>
-            <p:ph type="body"/>
-          </p:nvPr>
-        </p:nvSpPr>
-        <p:spPr>
-          <a:xfrm>
-            <a:off x="3239640" y="3682080"/>
-            <a:ext cx="2649600" cy="1896840"/>
-          </a:xfrm>
-          <a:prstGeom prst="rect">
-            <a:avLst/>
-          </a:prstGeom>
-        </p:spPr>
-        <p:txBody>
-          <a:bodyPr lIns="0" rIns="0" tIns="0" bIns="0">
-            <a:normAutofit/>
-          </a:bodyPr>
-          <a:p>
-            <a:endParaRPr b="0" lang="en-US" sz="3200" spc="-1" strike="noStrike">
-              <a:latin typeface="Arial"/>
-            </a:endParaRPr>
-          </a:p>
-        </p:txBody>
-      </p:sp>
-      <p:sp>
-        <p:nvSpPr>
-          <p:cNvPr id="75" name="PlaceHolder 7"/>
-          <p:cNvSpPr>
-            <a:spLocks noGrp="1"/>
-          </p:cNvSpPr>
-          <p:nvPr>
-            <p:ph type="body"/>
-          </p:nvPr>
-        </p:nvSpPr>
-        <p:spPr>
-          <a:xfrm>
-            <a:off x="6022080" y="3682080"/>
-            <a:ext cx="2649600" cy="1896840"/>
-          </a:xfrm>
-          <a:prstGeom prst="rect">
-            <a:avLst/>
-          </a:prstGeom>
-        </p:spPr>
-        <p:txBody>
-          <a:bodyPr lIns="0" rIns="0" tIns="0" bIns="0">
-            <a:normAutofit/>
-          </a:bodyPr>
-          <a:p>
             <a:endParaRPr b="0" lang="en-US" sz="3200" spc="-1" strike="noStrike">
               <a:latin typeface="Arial"/>
             </a:endParaRPr>
@@ -2936,264 +1603,6 @@
 </p:sldMaster>
 </file>
 
-<file path=ppt/slideMasters/slideMaster2.xml><?xml version="1.0" encoding="utf-8"?>
-<p:sldMaster xmlns:a="http://schemas.openxmlformats.org/drawingml/2006/main" xmlns:p="http://schemas.openxmlformats.org/presentationml/2006/main" xmlns:r="http://schemas.openxmlformats.org/officeDocument/2006/relationships" xmlns:p14="http://schemas.microsoft.com/office/powerpoint/2010/main" xmlns:p15="http://schemas.microsoft.com/office/powerpoint/2012/main" xmlns:mc="http://schemas.openxmlformats.org/markup-compatibility/2006">
-  <p:cSld>
-    <p:bg>
-      <p:bgPr>
-        <a:solidFill>
-          <a:srgbClr val="ffffff"/>
-        </a:solidFill>
-      </p:bgPr>
-    </p:bg>
-    <p:spTree>
-      <p:nvGrpSpPr>
-        <p:cNvPr id="1" name=""/>
-        <p:cNvGrpSpPr/>
-        <p:nvPr/>
-      </p:nvGrpSpPr>
-      <p:grpSpPr>
-        <a:xfrm>
-          <a:off x="0" y="0"/>
-          <a:ext cx="0" cy="0"/>
-          <a:chOff x="0" y="0"/>
-          <a:chExt cx="0" cy="0"/>
-        </a:xfrm>
-      </p:grpSpPr>
-      <p:sp>
-        <p:nvSpPr>
-          <p:cNvPr id="38" name="PlaceHolder 1"/>
-          <p:cNvSpPr>
-            <a:spLocks noGrp="1"/>
-          </p:cNvSpPr>
-          <p:nvPr>
-            <p:ph type="title"/>
-          </p:nvPr>
-        </p:nvSpPr>
-        <p:spPr>
-          <a:xfrm>
-            <a:off x="457200" y="273600"/>
-            <a:ext cx="8229240" cy="1144800"/>
-          </a:xfrm>
-          <a:prstGeom prst="rect">
-            <a:avLst/>
-          </a:prstGeom>
-        </p:spPr>
-        <p:txBody>
-          <a:bodyPr lIns="0" rIns="0" tIns="0" bIns="0" anchor="ctr"/>
-          <a:p>
-            <a:pPr algn="ctr"/>
-            <a:r>
-              <a:rPr b="0" lang="en-US" sz="4400" spc="-1" strike="noStrike">
-                <a:latin typeface="Arial"/>
-              </a:rPr>
-              <a:t>Click to edit the title text format</a:t>
-            </a:r>
-            <a:endParaRPr b="0" lang="en-US" sz="4400" spc="-1" strike="noStrike">
-              <a:latin typeface="Arial"/>
-            </a:endParaRPr>
-          </a:p>
-        </p:txBody>
-      </p:sp>
-      <p:sp>
-        <p:nvSpPr>
-          <p:cNvPr id="39" name="PlaceHolder 2"/>
-          <p:cNvSpPr>
-            <a:spLocks noGrp="1"/>
-          </p:cNvSpPr>
-          <p:nvPr>
-            <p:ph type="body"/>
-          </p:nvPr>
-        </p:nvSpPr>
-        <p:spPr>
-          <a:xfrm>
-            <a:off x="457200" y="1604520"/>
-            <a:ext cx="8229240" cy="3977280"/>
-          </a:xfrm>
-          <a:prstGeom prst="rect">
-            <a:avLst/>
-          </a:prstGeom>
-        </p:spPr>
-        <p:txBody>
-          <a:bodyPr lIns="0" rIns="0" tIns="0" bIns="0">
-            <a:normAutofit/>
-          </a:bodyPr>
-          <a:p>
-            <a:pPr marL="432000" indent="-324000">
-              <a:spcBef>
-                <a:spcPts val="1417"/>
-              </a:spcBef>
-              <a:buClr>
-                <a:srgbClr val="000000"/>
-              </a:buClr>
-              <a:buSzPct val="45000"/>
-              <a:buFont typeface="Wingdings" charset="2"/>
-              <a:buChar char=""/>
-            </a:pPr>
-            <a:r>
-              <a:rPr b="0" lang="en-US" sz="3200" spc="-1" strike="noStrike">
-                <a:latin typeface="Arial"/>
-              </a:rPr>
-              <a:t>Click to edit the outline text format</a:t>
-            </a:r>
-            <a:endParaRPr b="0" lang="en-US" sz="3200" spc="-1" strike="noStrike">
-              <a:latin typeface="Arial"/>
-            </a:endParaRPr>
-          </a:p>
-          <a:p>
-            <a:pPr lvl="1" marL="864000" indent="-324000">
-              <a:spcBef>
-                <a:spcPts val="1134"/>
-              </a:spcBef>
-              <a:buClr>
-                <a:srgbClr val="000000"/>
-              </a:buClr>
-              <a:buSzPct val="75000"/>
-              <a:buFont typeface="Symbol" charset="2"/>
-              <a:buChar char=""/>
-            </a:pPr>
-            <a:r>
-              <a:rPr b="0" lang="en-US" sz="2800" spc="-1" strike="noStrike">
-                <a:latin typeface="Arial"/>
-              </a:rPr>
-              <a:t>Second Outline Level</a:t>
-            </a:r>
-            <a:endParaRPr b="0" lang="en-US" sz="2800" spc="-1" strike="noStrike">
-              <a:latin typeface="Arial"/>
-            </a:endParaRPr>
-          </a:p>
-          <a:p>
-            <a:pPr lvl="2" marL="1296000" indent="-288000">
-              <a:spcBef>
-                <a:spcPts val="850"/>
-              </a:spcBef>
-              <a:buClr>
-                <a:srgbClr val="000000"/>
-              </a:buClr>
-              <a:buSzPct val="45000"/>
-              <a:buFont typeface="Wingdings" charset="2"/>
-              <a:buChar char=""/>
-            </a:pPr>
-            <a:r>
-              <a:rPr b="0" lang="en-US" sz="2400" spc="-1" strike="noStrike">
-                <a:latin typeface="Arial"/>
-              </a:rPr>
-              <a:t>Third Outline Level</a:t>
-            </a:r>
-            <a:endParaRPr b="0" lang="en-US" sz="2400" spc="-1" strike="noStrike">
-              <a:latin typeface="Arial"/>
-            </a:endParaRPr>
-          </a:p>
-          <a:p>
-            <a:pPr lvl="3" marL="1728000" indent="-216000">
-              <a:spcBef>
-                <a:spcPts val="567"/>
-              </a:spcBef>
-              <a:buClr>
-                <a:srgbClr val="000000"/>
-              </a:buClr>
-              <a:buSzPct val="75000"/>
-              <a:buFont typeface="Symbol" charset="2"/>
-              <a:buChar char=""/>
-            </a:pPr>
-            <a:r>
-              <a:rPr b="0" lang="en-US" sz="2000" spc="-1" strike="noStrike">
-                <a:latin typeface="Arial"/>
-              </a:rPr>
-              <a:t>Fourth Outline Level</a:t>
-            </a:r>
-            <a:endParaRPr b="0" lang="en-US" sz="2000" spc="-1" strike="noStrike">
-              <a:latin typeface="Arial"/>
-            </a:endParaRPr>
-          </a:p>
-          <a:p>
-            <a:pPr lvl="4" marL="2160000" indent="-216000">
-              <a:spcBef>
-                <a:spcPts val="283"/>
-              </a:spcBef>
-              <a:buClr>
-                <a:srgbClr val="000000"/>
-              </a:buClr>
-              <a:buSzPct val="45000"/>
-              <a:buFont typeface="Wingdings" charset="2"/>
-              <a:buChar char=""/>
-            </a:pPr>
-            <a:r>
-              <a:rPr b="0" lang="en-US" sz="2000" spc="-1" strike="noStrike">
-                <a:latin typeface="Arial"/>
-              </a:rPr>
-              <a:t>Fifth Outline Level</a:t>
-            </a:r>
-            <a:endParaRPr b="0" lang="en-US" sz="2000" spc="-1" strike="noStrike">
-              <a:latin typeface="Arial"/>
-            </a:endParaRPr>
-          </a:p>
-          <a:p>
-            <a:pPr lvl="5" marL="2592000" indent="-216000">
-              <a:spcBef>
-                <a:spcPts val="283"/>
-              </a:spcBef>
-              <a:buClr>
-                <a:srgbClr val="000000"/>
-              </a:buClr>
-              <a:buSzPct val="45000"/>
-              <a:buFont typeface="Wingdings" charset="2"/>
-              <a:buChar char=""/>
-            </a:pPr>
-            <a:r>
-              <a:rPr b="0" lang="en-US" sz="2000" spc="-1" strike="noStrike">
-                <a:latin typeface="Arial"/>
-              </a:rPr>
-              <a:t>Sixth Outline Level</a:t>
-            </a:r>
-            <a:endParaRPr b="0" lang="en-US" sz="2000" spc="-1" strike="noStrike">
-              <a:latin typeface="Arial"/>
-            </a:endParaRPr>
-          </a:p>
-          <a:p>
-            <a:pPr lvl="6" marL="3024000" indent="-216000">
-              <a:spcBef>
-                <a:spcPts val="283"/>
-              </a:spcBef>
-              <a:buClr>
-                <a:srgbClr val="000000"/>
-              </a:buClr>
-              <a:buSzPct val="45000"/>
-              <a:buFont typeface="Wingdings" charset="2"/>
-              <a:buChar char=""/>
-            </a:pPr>
-            <a:r>
-              <a:rPr b="0" lang="en-US" sz="2000" spc="-1" strike="noStrike">
-                <a:latin typeface="Arial"/>
-              </a:rPr>
-              <a:t>Seventh Outline Level</a:t>
-            </a:r>
-            <a:endParaRPr b="0" lang="en-US" sz="2000" spc="-1" strike="noStrike">
-              <a:latin typeface="Arial"/>
-            </a:endParaRPr>
-          </a:p>
-        </p:txBody>
-      </p:sp>
-    </p:spTree>
-  </p:cSld>
-  <p:clrMap bg1="lt1" bg2="lt2" tx1="dk1" tx2="dk2" accent1="accent1" accent2="accent2" accent3="accent3" accent4="accent4" accent5="accent5" accent6="accent6" hlink="hlink" folHlink="folHlink"/>
-  <p:sldLayoutIdLst>
-    <p:sldLayoutId id="2147483662" r:id="rId2"/>
-    <p:sldLayoutId id="2147483663" r:id="rId3"/>
-    <p:sldLayoutId id="2147483664" r:id="rId4"/>
-    <p:sldLayoutId id="2147483665" r:id="rId5"/>
-    <p:sldLayoutId id="2147483666" r:id="rId6"/>
-    <p:sldLayoutId id="2147483667" r:id="rId7"/>
-    <p:sldLayoutId id="2147483668" r:id="rId8"/>
-    <p:sldLayoutId id="2147483669" r:id="rId9"/>
-    <p:sldLayoutId id="2147483670" r:id="rId10"/>
-    <p:sldLayoutId id="2147483671" r:id="rId11"/>
-    <p:sldLayoutId id="2147483672" r:id="rId12"/>
-    <p:sldLayoutId id="2147483673" r:id="rId13"/>
-  </p:sldLayoutIdLst>
-</p:sldMaster>
-</file>
-
 <file path=ppt/slides/slide1.xml><?xml version="1.0" encoding="utf-8"?>
 <p:sld xmlns:a="http://schemas.openxmlformats.org/drawingml/2006/main" xmlns:p="http://schemas.openxmlformats.org/presentationml/2006/main" xmlns:r="http://schemas.openxmlformats.org/officeDocument/2006/relationships" xmlns:p14="http://schemas.microsoft.com/office/powerpoint/2010/main" xmlns:p15="http://schemas.microsoft.com/office/powerpoint/2012/main" xmlns:mc="http://schemas.openxmlformats.org/markup-compatibility/2006">
   <p:cSld>
@@ -3213,20 +1622,20 @@
       </p:grpSpPr>
       <p:sp>
         <p:nvSpPr>
-          <p:cNvPr id="76" name="CustomShape 1"/>
+          <p:cNvPr id="38" name="CustomShape 1"/>
           <p:cNvSpPr/>
           <p:nvPr/>
         </p:nvSpPr>
         <p:spPr>
           <a:xfrm>
-            <a:off x="3200400" y="3566160"/>
-            <a:ext cx="2468880" cy="1005840"/>
+            <a:off x="2651760" y="4298040"/>
+            <a:ext cx="3017520" cy="1005480"/>
           </a:xfrm>
           <a:custGeom>
             <a:avLst/>
             <a:gdLst/>
             <a:ahLst/>
-            <a:rect l="0" t="0" r="r" b="b"/>
+            <a:rect l="l" t="t" r="r" b="b"/>
             <a:pathLst>
               <a:path w="6859" h="2796">
                 <a:moveTo>
@@ -3274,7 +1683,7 @@
       </p:sp>
       <p:pic>
         <p:nvPicPr>
-          <p:cNvPr id="77" name="" descr=""/>
+          <p:cNvPr id="39" name="" descr=""/>
           <p:cNvPicPr/>
           <p:nvPr/>
         </p:nvPicPr>
@@ -3284,8 +1693,8 @@
         </p:blipFill>
         <p:spPr>
           <a:xfrm>
-            <a:off x="3108960" y="3291840"/>
-            <a:ext cx="2560320" cy="237960"/>
+            <a:off x="365760" y="1243800"/>
+            <a:ext cx="2194200" cy="3968280"/>
           </a:xfrm>
           <a:prstGeom prst="rect">
             <a:avLst/>
@@ -3297,7 +1706,7 @@
       </p:pic>
       <p:pic>
         <p:nvPicPr>
-          <p:cNvPr id="78" name="" descr=""/>
+          <p:cNvPr id="40" name="" descr=""/>
           <p:cNvPicPr/>
           <p:nvPr/>
         </p:nvPicPr>
@@ -3307,8 +1716,8 @@
         </p:blipFill>
         <p:spPr>
           <a:xfrm>
-            <a:off x="741960" y="1437120"/>
-            <a:ext cx="2194560" cy="3840480"/>
+            <a:off x="2743200" y="3791880"/>
+            <a:ext cx="2926080" cy="322920"/>
           </a:xfrm>
           <a:prstGeom prst="rect">
             <a:avLst/>
@@ -3320,7 +1729,7 @@
       </p:pic>
       <p:pic>
         <p:nvPicPr>
-          <p:cNvPr id="79" name="" descr=""/>
+          <p:cNvPr id="41" name="" descr=""/>
           <p:cNvPicPr/>
           <p:nvPr/>
         </p:nvPicPr>
@@ -3330,8 +1739,8 @@
         </p:blipFill>
         <p:spPr>
           <a:xfrm>
-            <a:off x="5904360" y="1404000"/>
-            <a:ext cx="2194560" cy="3840480"/>
+            <a:off x="5852520" y="1371600"/>
+            <a:ext cx="2194200" cy="3881160"/>
           </a:xfrm>
           <a:prstGeom prst="rect">
             <a:avLst/>
@@ -3341,6 +1750,64 @@
           </a:ln>
         </p:spPr>
       </p:pic>
+      <p:sp>
+        <p:nvSpPr>
+          <p:cNvPr id="42" name="CustomShape 2"/>
+          <p:cNvSpPr/>
+          <p:nvPr/>
+        </p:nvSpPr>
+        <p:spPr>
+          <a:xfrm>
+            <a:off x="5943600" y="4480560"/>
+            <a:ext cx="1920240" cy="731520"/>
+          </a:xfrm>
+          <a:prstGeom prst="rect">
+            <a:avLst/>
+          </a:prstGeom>
+          <a:noFill/>
+          <a:ln w="38160">
+            <a:solidFill>
+              <a:srgbClr val="ed1c24"/>
+            </a:solidFill>
+            <a:round/>
+          </a:ln>
+        </p:spPr>
+        <p:style>
+          <a:lnRef idx="0"/>
+          <a:fillRef idx="0"/>
+          <a:effectRef idx="0"/>
+          <a:fontRef idx="minor"/>
+        </p:style>
+      </p:sp>
+      <p:sp>
+        <p:nvSpPr>
+          <p:cNvPr id="43" name="CustomShape 3"/>
+          <p:cNvSpPr/>
+          <p:nvPr/>
+        </p:nvSpPr>
+        <p:spPr>
+          <a:xfrm>
+            <a:off x="457200" y="4389120"/>
+            <a:ext cx="1920240" cy="731520"/>
+          </a:xfrm>
+          <a:prstGeom prst="rect">
+            <a:avLst/>
+          </a:prstGeom>
+          <a:noFill/>
+          <a:ln w="38160">
+            <a:solidFill>
+              <a:srgbClr val="ed1c24"/>
+            </a:solidFill>
+            <a:round/>
+          </a:ln>
+        </p:spPr>
+        <p:style>
+          <a:lnRef idx="0"/>
+          <a:fillRef idx="0"/>
+          <a:effectRef idx="0"/>
+          <a:fontRef idx="minor"/>
+        </p:style>
+      </p:sp>
     </p:spTree>
   </p:cSld>
   <p:timing>
@@ -3392,7 +1859,7 @@
       </p:grpSpPr>
       <p:pic>
         <p:nvPicPr>
-          <p:cNvPr id="80" name="" descr=""/>
+          <p:cNvPr id="44" name="" descr=""/>
           <p:cNvPicPr/>
           <p:nvPr/>
         </p:nvPicPr>
@@ -3402,8 +1869,8 @@
         </p:blipFill>
         <p:spPr>
           <a:xfrm>
-            <a:off x="509400" y="1371600"/>
-            <a:ext cx="2194560" cy="3840480"/>
+            <a:off x="2743200" y="3566520"/>
+            <a:ext cx="2595600" cy="365400"/>
           </a:xfrm>
           <a:prstGeom prst="rect">
             <a:avLst/>
@@ -3413,68 +1880,22 @@
           </a:ln>
         </p:spPr>
       </p:pic>
-      <p:pic>
-        <p:nvPicPr>
-          <p:cNvPr id="81" name="" descr=""/>
-          <p:cNvPicPr/>
-          <p:nvPr/>
-        </p:nvPicPr>
-        <p:blipFill>
-          <a:blip r:embed="rId2"/>
-          <a:stretch/>
-        </p:blipFill>
-        <p:spPr>
-          <a:xfrm>
-            <a:off x="2890440" y="2834640"/>
-            <a:ext cx="2595960" cy="365760"/>
-          </a:xfrm>
-          <a:prstGeom prst="rect">
-            <a:avLst/>
-          </a:prstGeom>
-          <a:ln>
-            <a:noFill/>
-          </a:ln>
-        </p:spPr>
-      </p:pic>
-      <p:pic>
-        <p:nvPicPr>
-          <p:cNvPr id="82" name="" descr=""/>
-          <p:cNvPicPr/>
-          <p:nvPr/>
-        </p:nvPicPr>
-        <p:blipFill>
-          <a:blip r:embed="rId3"/>
-          <a:stretch/>
-        </p:blipFill>
-        <p:spPr>
-          <a:xfrm>
-            <a:off x="5760720" y="1371600"/>
-            <a:ext cx="2194560" cy="3840480"/>
-          </a:xfrm>
-          <a:prstGeom prst="rect">
-            <a:avLst/>
-          </a:prstGeom>
-          <a:ln>
-            <a:noFill/>
-          </a:ln>
-        </p:spPr>
-      </p:pic>
-      <p:sp>
-        <p:nvSpPr>
-          <p:cNvPr id="83" name="CustomShape 1"/>
+      <p:sp>
+        <p:nvSpPr>
+          <p:cNvPr id="45" name="CustomShape 1"/>
           <p:cNvSpPr/>
           <p:nvPr/>
         </p:nvSpPr>
         <p:spPr>
           <a:xfrm>
-            <a:off x="2834640" y="1554480"/>
-            <a:ext cx="2834640" cy="1005840"/>
+            <a:off x="2743560" y="4206240"/>
+            <a:ext cx="2834280" cy="1005480"/>
           </a:xfrm>
           <a:custGeom>
             <a:avLst/>
             <a:gdLst/>
             <a:ahLst/>
-            <a:rect l="0" t="0" r="r" b="b"/>
+            <a:rect l="l" t="t" r="r" b="b"/>
             <a:pathLst>
               <a:path w="7876" h="2796">
                 <a:moveTo>
@@ -3511,6 +1932,110 @@
             <a:solidFill>
               <a:srgbClr val="3465a4"/>
             </a:solidFill>
+          </a:ln>
+        </p:spPr>
+        <p:style>
+          <a:lnRef idx="0"/>
+          <a:fillRef idx="0"/>
+          <a:effectRef idx="0"/>
+          <a:fontRef idx="minor"/>
+        </p:style>
+      </p:sp>
+      <p:pic>
+        <p:nvPicPr>
+          <p:cNvPr id="46" name="" descr=""/>
+          <p:cNvPicPr/>
+          <p:nvPr/>
+        </p:nvPicPr>
+        <p:blipFill>
+          <a:blip r:embed="rId2"/>
+          <a:stretch/>
+        </p:blipFill>
+        <p:spPr>
+          <a:xfrm>
+            <a:off x="548640" y="1232640"/>
+            <a:ext cx="2131200" cy="3888000"/>
+          </a:xfrm>
+          <a:prstGeom prst="rect">
+            <a:avLst/>
+          </a:prstGeom>
+          <a:ln>
+            <a:noFill/>
+          </a:ln>
+        </p:spPr>
+      </p:pic>
+      <p:pic>
+        <p:nvPicPr>
+          <p:cNvPr id="47" name="" descr=""/>
+          <p:cNvPicPr/>
+          <p:nvPr/>
+        </p:nvPicPr>
+        <p:blipFill>
+          <a:blip r:embed="rId3"/>
+          <a:stretch/>
+        </p:blipFill>
+        <p:spPr>
+          <a:xfrm>
+            <a:off x="5669280" y="1280160"/>
+            <a:ext cx="2103120" cy="3888000"/>
+          </a:xfrm>
+          <a:prstGeom prst="rect">
+            <a:avLst/>
+          </a:prstGeom>
+          <a:ln>
+            <a:noFill/>
+          </a:ln>
+        </p:spPr>
+      </p:pic>
+      <p:sp>
+        <p:nvSpPr>
+          <p:cNvPr id="48" name="CustomShape 2"/>
+          <p:cNvSpPr/>
+          <p:nvPr/>
+        </p:nvSpPr>
+        <p:spPr>
+          <a:xfrm>
+            <a:off x="640080" y="4389120"/>
+            <a:ext cx="1920240" cy="731520"/>
+          </a:xfrm>
+          <a:prstGeom prst="rect">
+            <a:avLst/>
+          </a:prstGeom>
+          <a:noFill/>
+          <a:ln w="38160">
+            <a:solidFill>
+              <a:srgbClr val="ed1c24"/>
+            </a:solidFill>
+            <a:round/>
+          </a:ln>
+        </p:spPr>
+        <p:style>
+          <a:lnRef idx="0"/>
+          <a:fillRef idx="0"/>
+          <a:effectRef idx="0"/>
+          <a:fontRef idx="minor"/>
+        </p:style>
+      </p:sp>
+      <p:sp>
+        <p:nvSpPr>
+          <p:cNvPr id="49" name="CustomShape 3"/>
+          <p:cNvSpPr/>
+          <p:nvPr/>
+        </p:nvSpPr>
+        <p:spPr>
+          <a:xfrm>
+            <a:off x="5760720" y="4389120"/>
+            <a:ext cx="1920240" cy="731520"/>
+          </a:xfrm>
+          <a:prstGeom prst="rect">
+            <a:avLst/>
+          </a:prstGeom>
+          <a:noFill/>
+          <a:ln w="38160">
+            <a:solidFill>
+              <a:srgbClr val="ed1c24"/>
+            </a:solidFill>
+            <a:round/>
           </a:ln>
         </p:spPr>
         <p:style>
@@ -3773,227 +2298,4 @@
     </a:fmtScheme>
   </a:themeElements>
 </a:theme>
-</file>
-
-<file path=ppt/theme/theme2.xml><?xml version="1.0" encoding="utf-8"?>
-<a:theme xmlns:a="http://schemas.openxmlformats.org/drawingml/2006/main" name="Office Theme">
-  <a:themeElements>
-    <a:clrScheme name="Office">
-      <a:dk1>
-        <a:sysClr val="windowText" lastClr="000000"/>
-      </a:dk1>
-      <a:lt1>
-        <a:sysClr val="window" lastClr="FFFFFF"/>
-      </a:lt1>
-      <a:dk2>
-        <a:srgbClr val="1f497d"/>
-      </a:dk2>
-      <a:lt2>
-        <a:srgbClr val="eeece1"/>
-      </a:lt2>
-      <a:accent1>
-        <a:srgbClr val="4f81bd"/>
-      </a:accent1>
-      <a:accent2>
-        <a:srgbClr val="c0504d"/>
-      </a:accent2>
-      <a:accent3>
-        <a:srgbClr val="9bbb59"/>
-      </a:accent3>
-      <a:accent4>
-        <a:srgbClr val="8064a2"/>
-      </a:accent4>
-      <a:accent5>
-        <a:srgbClr val="4bacc6"/>
-      </a:accent5>
-      <a:accent6>
-        <a:srgbClr val="f79646"/>
-      </a:accent6>
-      <a:hlink>
-        <a:srgbClr val="0000ff"/>
-      </a:hlink>
-      <a:folHlink>
-        <a:srgbClr val="800080"/>
-      </a:folHlink>
-    </a:clrScheme>
-    <a:fontScheme name="Office">
-      <a:majorFont>
-        <a:latin typeface="Arial"/>
-        <a:ea typeface="DejaVu Sans"/>
-        <a:cs typeface="DejaVu Sans"/>
-      </a:majorFont>
-      <a:minorFont>
-        <a:latin typeface="Arial"/>
-        <a:ea typeface="DejaVu Sans"/>
-        <a:cs typeface="DejaVu Sans"/>
-      </a:minorFont>
-    </a:fontScheme>
-    <a:fmtScheme name="Office">
-      <a:fillStyleLst>
-        <a:solidFill>
-          <a:schemeClr val="phClr"/>
-        </a:solidFill>
-        <a:gradFill rotWithShape="1">
-          <a:gsLst>
-            <a:gs pos="0">
-              <a:schemeClr val="phClr">
-                <a:tint val="50000"/>
-                <a:satMod val="300000"/>
-              </a:schemeClr>
-            </a:gs>
-            <a:gs pos="35000">
-              <a:schemeClr val="phClr">
-                <a:tint val="37000"/>
-                <a:satMod val="300000"/>
-              </a:schemeClr>
-            </a:gs>
-            <a:gs pos="100000">
-              <a:schemeClr val="phClr">
-                <a:tint val="15000"/>
-                <a:satMod val="350000"/>
-              </a:schemeClr>
-            </a:gs>
-          </a:gsLst>
-          <a:lin ang="16200000" scaled="1"/>
-        </a:gradFill>
-        <a:gradFill rotWithShape="1">
-          <a:gsLst>
-            <a:gs pos="0">
-              <a:schemeClr val="phClr">
-                <a:shade val="51000"/>
-                <a:satMod val="130000"/>
-              </a:schemeClr>
-            </a:gs>
-            <a:gs pos="80000">
-              <a:schemeClr val="phClr">
-                <a:shade val="93000"/>
-                <a:satMod val="130000"/>
-              </a:schemeClr>
-            </a:gs>
-            <a:gs pos="100000">
-              <a:schemeClr val="phClr">
-                <a:shade val="94000"/>
-                <a:satMod val="135000"/>
-              </a:schemeClr>
-            </a:gs>
-          </a:gsLst>
-          <a:lin ang="16200000" scaled="0"/>
-        </a:gradFill>
-      </a:fillStyleLst>
-      <a:lnStyleLst>
-        <a:ln w="9525" cap="flat" cmpd="sng" algn="ctr">
-          <a:solidFill>
-            <a:schemeClr val="phClr">
-              <a:shade val="95000"/>
-              <a:satMod val="105000"/>
-            </a:schemeClr>
-          </a:solidFill>
-          <a:prstDash val="solid"/>
-        </a:ln>
-        <a:ln w="25400" cap="flat" cmpd="sng" algn="ctr">
-          <a:solidFill>
-            <a:schemeClr val="phClr"/>
-          </a:solidFill>
-          <a:prstDash val="solid"/>
-        </a:ln>
-        <a:ln w="38100" cap="flat" cmpd="sng" algn="ctr">
-          <a:solidFill>
-            <a:schemeClr val="phClr"/>
-          </a:solidFill>
-          <a:prstDash val="solid"/>
-        </a:ln>
-      </a:lnStyleLst>
-      <a:effectStyleLst>
-        <a:effectStyle>
-          <a:effectLst>
-            <a:outerShdw blurRad="40000" dist="20000" dir="5400000" rotWithShape="0">
-              <a:srgbClr val="000000">
-                <a:alpha val="38000"/>
-              </a:srgbClr>
-            </a:outerShdw>
-          </a:effectLst>
-        </a:effectStyle>
-        <a:effectStyle>
-          <a:effectLst>
-            <a:outerShdw blurRad="40000" dist="23000" dir="5400000" rotWithShape="0">
-              <a:srgbClr val="000000">
-                <a:alpha val="35000"/>
-              </a:srgbClr>
-            </a:outerShdw>
-          </a:effectLst>
-        </a:effectStyle>
-        <a:effectStyle>
-          <a:effectLst>
-            <a:outerShdw blurRad="40000" dist="23000" dir="5400000" rotWithShape="0">
-              <a:srgbClr val="000000">
-                <a:alpha val="35000"/>
-              </a:srgbClr>
-            </a:outerShdw>
-          </a:effectLst>
-          <a:scene3d>
-            <a:camera prst="orthographicFront">
-              <a:rot lat="0" lon="0" rev="0"/>
-            </a:camera>
-            <a:lightRig rig="threePt" dir="t">
-              <a:rot lat="0" lon="0" rev="1200000"/>
-            </a:lightRig>
-          </a:scene3d>
-          <a:sp3d>
-            <a:bevelT w="63500" h="25400"/>
-          </a:sp3d>
-        </a:effectStyle>
-      </a:effectStyleLst>
-      <a:bgFillStyleLst>
-        <a:solidFill>
-          <a:schemeClr val="phClr"/>
-        </a:solidFill>
-        <a:gradFill rotWithShape="1">
-          <a:gsLst>
-            <a:gs pos="0">
-              <a:schemeClr val="phClr">
-                <a:tint val="40000"/>
-                <a:satMod val="350000"/>
-              </a:schemeClr>
-            </a:gs>
-            <a:gs pos="40000">
-              <a:schemeClr val="phClr">
-                <a:tint val="45000"/>
-                <a:shade val="99000"/>
-                <a:satMod val="350000"/>
-              </a:schemeClr>
-            </a:gs>
-            <a:gs pos="100000">
-              <a:schemeClr val="phClr">
-                <a:shade val="20000"/>
-                <a:satMod val="255000"/>
-              </a:schemeClr>
-            </a:gs>
-          </a:gsLst>
-          <a:path path="circle">
-            <a:fillToRect l="50000" t="-80000" r="50000" b="180000"/>
-          </a:path>
-        </a:gradFill>
-        <a:gradFill rotWithShape="1">
-          <a:gsLst>
-            <a:gs pos="0">
-              <a:schemeClr val="phClr">
-                <a:tint val="80000"/>
-                <a:satMod val="300000"/>
-              </a:schemeClr>
-            </a:gs>
-            <a:gs pos="100000">
-              <a:schemeClr val="phClr">
-                <a:shade val="30000"/>
-                <a:satMod val="200000"/>
-              </a:schemeClr>
-            </a:gs>
-          </a:gsLst>
-          <a:path path="circle">
-            <a:fillToRect l="50000" t="50000" r="50000" b="50000"/>
-          </a:path>
-        </a:gradFill>
-      </a:bgFillStyleLst>
-    </a:fmtScheme>
-  </a:themeElements>
-</a:theme>
 </file>